--- a/Blog_Portal_Madhur_Jatiya.pptx
+++ b/Blog_Portal_Madhur_Jatiya.pptx
@@ -15240,7 +15240,7 @@
         </p:nvSpPr>
         <p:spPr>
           <a:xfrm>
-            <a:off x="7909560" y="3878580"/>
+            <a:off x="7909560" y="5042535"/>
             <a:ext cx="3115310" cy="645160"/>
           </a:xfrm>
           <a:prstGeom prst="rect">
@@ -15302,8 +15302,8 @@
         </p:nvSpPr>
         <p:spPr>
           <a:xfrm>
-            <a:off x="7909560" y="4523740"/>
-            <a:ext cx="3578225" cy="1691640"/>
+            <a:off x="7909560" y="5687695"/>
+            <a:ext cx="3578225" cy="491490"/>
           </a:xfrm>
           <a:prstGeom prst="rect">
             <a:avLst/>
@@ -15342,45 +15342,6 @@
                 <a:sym typeface="Calibri" panose="020F0502020204030204"/>
               </a:rPr>
               <a:t>Madhur Jatiya</a:t>
-            </a:r>
-            <a:endParaRPr lang="en-IN" altLang="en-US" sz="2600" dirty="0">
-              <a:solidFill>
-                <a:schemeClr val="bg1"/>
-              </a:solidFill>
-              <a:latin typeface="Calibri" panose="020F0502020204030204"/>
-              <a:ea typeface="Calibri" panose="020F0502020204030204"/>
-              <a:cs typeface="Calibri" panose="020F0502020204030204"/>
-              <a:sym typeface="Calibri" panose="020F0502020204030204"/>
-            </a:endParaRPr>
-          </a:p>
-          <a:p>
-            <a:pPr marR="0" lvl="0" indent="0" algn="l" rtl="0">
-              <a:lnSpc>
-                <a:spcPct val="100000"/>
-              </a:lnSpc>
-              <a:spcBef>
-                <a:spcPts val="0"/>
-              </a:spcBef>
-              <a:spcAft>
-                <a:spcPts val="0"/>
-              </a:spcAft>
-              <a:buClr>
-                <a:srgbClr val="000000"/>
-              </a:buClr>
-              <a:buSzPts val="4400"/>
-              <a:buNone/>
-            </a:pPr>
-            <a:r>
-              <a:rPr lang="en-IN" altLang="en-US" sz="2600" dirty="0">
-                <a:solidFill>
-                  <a:schemeClr val="bg1"/>
-                </a:solidFill>
-                <a:latin typeface="Calibri" panose="020F0502020204030204"/>
-                <a:ea typeface="Calibri" panose="020F0502020204030204"/>
-                <a:cs typeface="Calibri" panose="020F0502020204030204"/>
-                <a:sym typeface="Calibri" panose="020F0502020204030204"/>
-              </a:rPr>
-              <a:t>Harsh Ojha, Mohammad Nabi Hasan, Ashutosh Tigga, Ayushi Vishkarma</a:t>
             </a:r>
             <a:endParaRPr lang="en-IN" altLang="en-US" sz="2600" dirty="0">
               <a:solidFill>
